--- a/Prezentare licenta.pptx
+++ b/Prezentare licenta.pptx
@@ -287,7 +287,7 @@
           <a:p>
             <a:fld id="{B689C2E0-43E7-463F-B4CE-F98085017E0D}" type="datetimeFigureOut">
               <a:rPr lang="en-US" smtClean="0"/>
-              <a:t>2/9/2018</a:t>
+              <a:t>2/12/2018</a:t>
             </a:fld>
             <a:endParaRPr lang="en-US"/>
           </a:p>
@@ -452,7 +452,7 @@
           <a:p>
             <a:fld id="{B689C2E0-43E7-463F-B4CE-F98085017E0D}" type="datetimeFigureOut">
               <a:rPr lang="en-US" smtClean="0"/>
-              <a:t>2/9/2018</a:t>
+              <a:t>2/12/2018</a:t>
             </a:fld>
             <a:endParaRPr lang="en-US"/>
           </a:p>
@@ -627,7 +627,7 @@
           <a:p>
             <a:fld id="{B689C2E0-43E7-463F-B4CE-F98085017E0D}" type="datetimeFigureOut">
               <a:rPr lang="en-US" smtClean="0"/>
-              <a:t>2/9/2018</a:t>
+              <a:t>2/12/2018</a:t>
             </a:fld>
             <a:endParaRPr lang="en-US"/>
           </a:p>
@@ -792,7 +792,7 @@
           <a:p>
             <a:fld id="{B689C2E0-43E7-463F-B4CE-F98085017E0D}" type="datetimeFigureOut">
               <a:rPr lang="en-US" smtClean="0"/>
-              <a:t>2/9/2018</a:t>
+              <a:t>2/12/2018</a:t>
             </a:fld>
             <a:endParaRPr lang="en-US"/>
           </a:p>
@@ -1034,7 +1034,7 @@
           <a:p>
             <a:fld id="{B689C2E0-43E7-463F-B4CE-F98085017E0D}" type="datetimeFigureOut">
               <a:rPr lang="en-US" smtClean="0"/>
-              <a:t>2/9/2018</a:t>
+              <a:t>2/12/2018</a:t>
             </a:fld>
             <a:endParaRPr lang="en-US"/>
           </a:p>
@@ -1298,7 +1298,7 @@
           <a:p>
             <a:fld id="{B689C2E0-43E7-463F-B4CE-F98085017E0D}" type="datetimeFigureOut">
               <a:rPr lang="en-US" smtClean="0"/>
-              <a:t>2/9/2018</a:t>
+              <a:t>2/12/2018</a:t>
             </a:fld>
             <a:endParaRPr lang="en-US"/>
           </a:p>
@@ -1676,7 +1676,7 @@
           <a:p>
             <a:fld id="{B689C2E0-43E7-463F-B4CE-F98085017E0D}" type="datetimeFigureOut">
               <a:rPr lang="en-US" smtClean="0"/>
-              <a:t>2/9/2018</a:t>
+              <a:t>2/12/2018</a:t>
             </a:fld>
             <a:endParaRPr lang="en-US"/>
           </a:p>
@@ -1826,7 +1826,7 @@
           <a:p>
             <a:fld id="{B689C2E0-43E7-463F-B4CE-F98085017E0D}" type="datetimeFigureOut">
               <a:rPr lang="en-US" smtClean="0"/>
-              <a:t>2/9/2018</a:t>
+              <a:t>2/12/2018</a:t>
             </a:fld>
             <a:endParaRPr lang="en-US"/>
           </a:p>
@@ -1916,7 +1916,7 @@
           <a:p>
             <a:fld id="{B689C2E0-43E7-463F-B4CE-F98085017E0D}" type="datetimeFigureOut">
               <a:rPr lang="en-US" smtClean="0"/>
-              <a:t>2/9/2018</a:t>
+              <a:t>2/12/2018</a:t>
             </a:fld>
             <a:endParaRPr lang="en-US"/>
           </a:p>
@@ -2177,7 +2177,7 @@
           <a:p>
             <a:fld id="{B689C2E0-43E7-463F-B4CE-F98085017E0D}" type="datetimeFigureOut">
               <a:rPr lang="en-US" smtClean="0"/>
-              <a:t>2/9/2018</a:t>
+              <a:t>2/12/2018</a:t>
             </a:fld>
             <a:endParaRPr lang="en-US"/>
           </a:p>
@@ -2465,7 +2465,7 @@
           <a:p>
             <a:fld id="{B689C2E0-43E7-463F-B4CE-F98085017E0D}" type="datetimeFigureOut">
               <a:rPr lang="en-US" smtClean="0"/>
-              <a:t>2/9/2018</a:t>
+              <a:t>2/12/2018</a:t>
             </a:fld>
             <a:endParaRPr lang="en-US"/>
           </a:p>
@@ -3236,7 +3236,7 @@
           <a:p>
             <a:fld id="{B689C2E0-43E7-463F-B4CE-F98085017E0D}" type="datetimeFigureOut">
               <a:rPr lang="en-US" smtClean="0"/>
-              <a:t>2/9/2018</a:t>
+              <a:t>2/12/2018</a:t>
             </a:fld>
             <a:endParaRPr lang="en-US"/>
           </a:p>
@@ -4033,7 +4033,11 @@
             </a:pPr>
             <a:r>
               <a:rPr lang="ro-RO" dirty="0" smtClean="0"/>
-              <a:t>Testarea software</a:t>
+              <a:t>Testarea </a:t>
+            </a:r>
+            <a:r>
+              <a:rPr lang="ro-RO" dirty="0" smtClean="0"/>
+              <a:t>software</a:t>
             </a:r>
           </a:p>
           <a:p>
@@ -4046,24 +4050,15 @@
             </a:pPr>
             <a:r>
               <a:rPr lang="ro-RO" dirty="0" smtClean="0"/>
-              <a:t>Soluția propusă</a:t>
-            </a:r>
-          </a:p>
-          <a:p>
-            <a:pPr>
-              <a:lnSpc>
-                <a:spcPct val="150000"/>
-              </a:lnSpc>
-              <a:buFont typeface="Wingdings" panose="05000000000000000000" pitchFamily="2" charset="2"/>
-              <a:buChar char="Ø"/>
-            </a:pPr>
-            <a:r>
-              <a:rPr lang="ro-RO" dirty="0"/>
               <a:t>Metodologie</a:t>
             </a:r>
             <a:r>
+              <a:rPr lang="en-US" dirty="0" smtClean="0"/>
+              <a:t> </a:t>
+            </a:r>
+            <a:r>
               <a:rPr lang="en-US" dirty="0"/>
-              <a:t> de </a:t>
+              <a:t>de </a:t>
             </a:r>
             <a:r>
               <a:rPr lang="ro-RO" dirty="0"/>
@@ -4238,8 +4233,9 @@
             </a:pPr>
             <a:r>
               <a:rPr lang="ro-RO" dirty="0" smtClean="0"/>
-              <a:t>Necesitatea testării programelor</a:t>
-            </a:r>
+              <a:t>Testare automată?</a:t>
+            </a:r>
+            <a:endParaRPr lang="ro-RO" dirty="0" smtClean="0"/>
           </a:p>
           <a:p>
             <a:pPr lvl="1">
@@ -4786,7 +4782,12 @@
             <p:ph type="title"/>
           </p:nvPr>
         </p:nvSpPr>
-        <p:spPr/>
+        <p:spPr>
+          <a:xfrm>
+            <a:off x="609600" y="533400"/>
+            <a:ext cx="8229600" cy="1143000"/>
+          </a:xfrm>
+        </p:spPr>
         <p:txBody>
           <a:bodyPr>
             <a:normAutofit fontScale="90000"/>
@@ -4840,186 +4841,244 @@
         </p:nvSpPr>
         <p:spPr>
           <a:xfrm>
-            <a:off x="457200" y="2209800"/>
-            <a:ext cx="8229600" cy="4114800"/>
+            <a:off x="457200" y="1676400"/>
+            <a:ext cx="8229600" cy="5181600"/>
           </a:xfrm>
         </p:spPr>
         <p:txBody>
           <a:bodyPr>
-            <a:normAutofit/>
+            <a:normAutofit fontScale="92500" lnSpcReduction="20000"/>
           </a:bodyPr>
           <a:lstStyle/>
+          <a:p>
+            <a:pPr marL="0" indent="0">
+              <a:lnSpc>
+                <a:spcPct val="150000"/>
+              </a:lnSpc>
+              <a:buNone/>
+            </a:pPr>
+            <a:r>
+              <a:rPr lang="ro-RO" dirty="0"/>
+              <a:t>Ingredientele</a:t>
+            </a:r>
+            <a:r>
+              <a:rPr lang="en-US" dirty="0"/>
+              <a:t> </a:t>
+            </a:r>
+            <a:r>
+              <a:rPr lang="ro-RO" dirty="0"/>
+              <a:t>metodologiei</a:t>
+            </a:r>
+            <a:r>
+              <a:rPr lang="en-US" dirty="0"/>
+              <a:t>:</a:t>
+            </a:r>
+          </a:p>
           <a:p>
             <a:pPr>
               <a:lnSpc>
                 <a:spcPct val="150000"/>
               </a:lnSpc>
+              <a:buFont typeface="Wingdings" panose="05000000000000000000" pitchFamily="2" charset="2"/>
+              <a:buChar char="Ø"/>
             </a:pPr>
             <a:r>
-              <a:rPr lang="ro-RO" dirty="0" smtClean="0"/>
-              <a:t>Input:</a:t>
-            </a:r>
-            <a:r>
-              <a:rPr lang="en-US" dirty="0" smtClean="0"/>
+              <a:rPr lang="ro-RO" dirty="0"/>
+              <a:t>Definiția</a:t>
+            </a:r>
+            <a:r>
+              <a:rPr lang="en-US" dirty="0"/>
+              <a:t> formal</a:t>
+            </a:r>
+            <a:r>
+              <a:rPr lang="ro-RO" dirty="0"/>
+              <a:t>ă/semantica</a:t>
+            </a:r>
+            <a:r>
+              <a:rPr lang="en-US" dirty="0"/>
               <a:t> </a:t>
             </a:r>
             <a:r>
+              <a:rPr lang="ro-RO" dirty="0"/>
+              <a:t>unui</a:t>
+            </a:r>
+            <a:r>
               <a:rPr lang="en-US" dirty="0"/>
-              <a:t>o </a:t>
-            </a:r>
-            <a:r>
-              <a:rPr lang="ro-RO" dirty="0" smtClean="0"/>
-              <a:t>definiție</a:t>
-            </a:r>
-            <a:r>
-              <a:rPr lang="en-US" dirty="0" smtClean="0"/>
-              <a:t> formal</a:t>
-            </a:r>
-            <a:r>
-              <a:rPr lang="ro-RO" dirty="0" smtClean="0"/>
-              <a:t>ă</a:t>
-            </a:r>
-            <a:r>
-              <a:rPr lang="en-US" dirty="0" smtClean="0"/>
               <a:t> </a:t>
             </a:r>
             <a:r>
+              <a:rPr lang="ro-RO" dirty="0"/>
+              <a:t>limbaj</a:t>
+            </a:r>
+            <a:r>
               <a:rPr lang="en-US" dirty="0"/>
-              <a:t>K de </a:t>
-            </a:r>
-            <a:r>
-              <a:rPr lang="ro-RO" dirty="0" smtClean="0"/>
-              <a:t>limbaj, executabilă, asupra căreia sunt necesare aplicarea unor</a:t>
-            </a:r>
-            <a:r>
-              <a:rPr lang="en-US" dirty="0" smtClean="0"/>
-              <a:t> </a:t>
-            </a:r>
-            <a:r>
-              <a:rPr lang="ro-RO" dirty="0" smtClean="0"/>
-              <a:t>modificări </a:t>
-            </a:r>
-            <a:r>
-              <a:rPr lang="en-US" sz="1800" dirty="0" smtClean="0"/>
-              <a:t>(</a:t>
-            </a:r>
-            <a:r>
-              <a:rPr lang="ro-RO" sz="1800" dirty="0" smtClean="0"/>
-              <a:t>descrise și demonstrate în:  </a:t>
-            </a:r>
-            <a:r>
-              <a:rPr lang="ro-RO" sz="1800" i="1" dirty="0" smtClean="0"/>
-              <a:t>A</a:t>
-            </a:r>
-            <a:r>
-              <a:rPr lang="ro-RO" sz="1800" i="1" dirty="0"/>
-              <a:t>. Arusoaie, “A generic framework for </a:t>
-            </a:r>
-            <a:r>
-              <a:rPr lang="ro-RO" sz="1800" i="1" dirty="0" err="1"/>
-              <a:t>symbolic</a:t>
-            </a:r>
-            <a:r>
-              <a:rPr lang="ro-RO" sz="1800" i="1" dirty="0"/>
-              <a:t> </a:t>
-            </a:r>
-            <a:r>
-              <a:rPr lang="ro-RO" sz="1800" i="1" dirty="0" err="1"/>
-              <a:t>execution</a:t>
-            </a:r>
-            <a:r>
-              <a:rPr lang="ro-RO" sz="1800" i="1" dirty="0"/>
-              <a:t>: </a:t>
-            </a:r>
-            <a:r>
-              <a:rPr lang="ro-RO" sz="1800" i="1" dirty="0" err="1"/>
-              <a:t>Theory</a:t>
-            </a:r>
-            <a:r>
-              <a:rPr lang="ro-RO" sz="1800" i="1" dirty="0"/>
-              <a:t> </a:t>
-            </a:r>
-            <a:r>
-              <a:rPr lang="ro-RO" sz="1800" i="1" dirty="0" err="1"/>
-              <a:t>and</a:t>
-            </a:r>
-            <a:r>
-              <a:rPr lang="ro-RO" sz="1800" i="1" dirty="0"/>
-              <a:t> </a:t>
-            </a:r>
-            <a:r>
-              <a:rPr lang="ro-RO" sz="1800" i="1" dirty="0" err="1"/>
-              <a:t>applications</a:t>
-            </a:r>
-            <a:r>
-              <a:rPr lang="ro-RO" sz="1800" i="1" dirty="0"/>
-              <a:t>,” </a:t>
-            </a:r>
-            <a:r>
-              <a:rPr lang="ro-RO" sz="1800" i="1" dirty="0" err="1"/>
-              <a:t>Ph.D</a:t>
-            </a:r>
-            <a:r>
-              <a:rPr lang="ro-RO" sz="1800" i="1" dirty="0"/>
-              <a:t>. </a:t>
-            </a:r>
-            <a:r>
-              <a:rPr lang="ro-RO" sz="1800" i="1" dirty="0" err="1"/>
-              <a:t>dissertation</a:t>
-            </a:r>
-            <a:r>
-              <a:rPr lang="ro-RO" sz="1800" i="1" dirty="0"/>
-              <a:t>, </a:t>
-            </a:r>
-            <a:r>
-              <a:rPr lang="ro-RO" sz="1800" i="1" dirty="0" err="1"/>
-              <a:t>Faculty</a:t>
-            </a:r>
-            <a:r>
-              <a:rPr lang="ro-RO" sz="1800" i="1" dirty="0"/>
-              <a:t> of Computer </a:t>
-            </a:r>
-            <a:r>
-              <a:rPr lang="ro-RO" sz="1800" i="1" dirty="0" err="1"/>
-              <a:t>Science</a:t>
-            </a:r>
-            <a:r>
-              <a:rPr lang="ro-RO" sz="1800" i="1" dirty="0"/>
-              <a:t>, Alexandru I. Cuza, University of </a:t>
-            </a:r>
-            <a:r>
-              <a:rPr lang="ro-RO" sz="1800" i="1" dirty="0" err="1"/>
-              <a:t>Iasi</a:t>
-            </a:r>
-            <a:r>
-              <a:rPr lang="ro-RO" sz="1800" i="1" dirty="0"/>
-              <a:t>, https://fmse.info.uaic.ro/publications/193/, </a:t>
-            </a:r>
-            <a:r>
-              <a:rPr lang="ro-RO" sz="1800" i="1" dirty="0" err="1"/>
-              <a:t>sep</a:t>
-            </a:r>
-            <a:r>
-              <a:rPr lang="ro-RO" sz="1800" i="1" dirty="0"/>
-              <a:t> 2014</a:t>
-            </a:r>
-            <a:r>
-              <a:rPr lang="en-US" sz="1800" dirty="0" smtClean="0"/>
-              <a:t>)</a:t>
-            </a:r>
-            <a:endParaRPr lang="ro-RO" sz="1800" dirty="0"/>
+              <a:t> de </a:t>
+            </a:r>
+            <a:r>
+              <a:rPr lang="ro-RO" dirty="0"/>
+              <a:t>programare:</a:t>
+            </a:r>
+          </a:p>
+          <a:p>
+            <a:pPr lvl="2">
+              <a:lnSpc>
+                <a:spcPct val="150000"/>
+              </a:lnSpc>
+              <a:buFont typeface="Wingdings" panose="05000000000000000000" pitchFamily="2" charset="2"/>
+              <a:buChar char="Ø"/>
+            </a:pPr>
+            <a:r>
+              <a:rPr lang="ro-RO" dirty="0"/>
+              <a:t>executabilă </a:t>
+            </a:r>
+          </a:p>
+          <a:p>
+            <a:pPr lvl="2">
+              <a:lnSpc>
+                <a:spcPct val="150000"/>
+              </a:lnSpc>
+              <a:buFont typeface="Wingdings" panose="05000000000000000000" pitchFamily="2" charset="2"/>
+              <a:buChar char="Ø"/>
+            </a:pPr>
+            <a:r>
+              <a:rPr lang="ro-RO" dirty="0"/>
+              <a:t>scrisă în K Framework</a:t>
+            </a:r>
           </a:p>
           <a:p>
             <a:pPr>
               <a:lnSpc>
                 <a:spcPct val="150000"/>
               </a:lnSpc>
+              <a:buFont typeface="Wingdings" panose="05000000000000000000" pitchFamily="2" charset="2"/>
+              <a:buChar char="Ø"/>
             </a:pPr>
             <a:r>
-              <a:rPr lang="ro-RO" dirty="0" smtClean="0"/>
-              <a:t>Sunt generate căi de drum până la o anumită adâncime</a:t>
-            </a:r>
-            <a:endParaRPr lang="en-US" dirty="0"/>
+              <a:rPr lang="ro-RO" dirty="0"/>
+              <a:t>Un framework pentru execuție simbolică:</a:t>
+            </a:r>
+          </a:p>
+          <a:p>
+            <a:pPr lvl="2">
+              <a:lnSpc>
+                <a:spcPct val="150000"/>
+              </a:lnSpc>
+              <a:buFont typeface="Wingdings" panose="05000000000000000000" pitchFamily="2" charset="2"/>
+              <a:buChar char="Ø"/>
+            </a:pPr>
+            <a:r>
+              <a:rPr lang="ro-RO" dirty="0"/>
+              <a:t>descris în: </a:t>
+            </a:r>
+            <a:r>
+              <a:rPr lang="ro-RO" i="1" dirty="0"/>
+              <a:t>A. Arusoaie, “A generic framework for </a:t>
+            </a:r>
+            <a:r>
+              <a:rPr lang="ro-RO" i="1" dirty="0" err="1"/>
+              <a:t>symbolic</a:t>
+            </a:r>
+            <a:r>
+              <a:rPr lang="ro-RO" i="1" dirty="0"/>
+              <a:t> </a:t>
+            </a:r>
+            <a:r>
+              <a:rPr lang="ro-RO" i="1" dirty="0" err="1"/>
+              <a:t>execution</a:t>
+            </a:r>
+            <a:r>
+              <a:rPr lang="ro-RO" i="1" dirty="0"/>
+              <a:t>: </a:t>
+            </a:r>
+            <a:r>
+              <a:rPr lang="ro-RO" i="1" dirty="0" err="1"/>
+              <a:t>Theory</a:t>
+            </a:r>
+            <a:r>
+              <a:rPr lang="ro-RO" i="1" dirty="0"/>
+              <a:t> </a:t>
+            </a:r>
+            <a:r>
+              <a:rPr lang="ro-RO" i="1" dirty="0" err="1"/>
+              <a:t>and</a:t>
+            </a:r>
+            <a:r>
+              <a:rPr lang="ro-RO" i="1" dirty="0"/>
+              <a:t> </a:t>
+            </a:r>
+            <a:r>
+              <a:rPr lang="ro-RO" i="1" dirty="0" err="1"/>
+              <a:t>applications</a:t>
+            </a:r>
+            <a:r>
+              <a:rPr lang="ro-RO" i="1" dirty="0"/>
+              <a:t>,” </a:t>
+            </a:r>
+            <a:r>
+              <a:rPr lang="ro-RO" i="1" dirty="0" err="1"/>
+              <a:t>Ph.D</a:t>
+            </a:r>
+            <a:r>
+              <a:rPr lang="ro-RO" i="1" dirty="0"/>
+              <a:t>. </a:t>
+            </a:r>
+            <a:r>
+              <a:rPr lang="ro-RO" i="1" dirty="0" err="1"/>
+              <a:t>dissertation</a:t>
+            </a:r>
+            <a:endParaRPr lang="ro-RO" i="1" dirty="0"/>
+          </a:p>
+          <a:p>
+            <a:pPr lvl="2">
+              <a:lnSpc>
+                <a:spcPct val="150000"/>
+              </a:lnSpc>
+              <a:buFont typeface="Wingdings" panose="05000000000000000000" pitchFamily="2" charset="2"/>
+              <a:buChar char="Ø"/>
+            </a:pPr>
+            <a:r>
+              <a:rPr lang="ro-RO" i="1" dirty="0"/>
+              <a:t>execuție simbolică</a:t>
+            </a:r>
+          </a:p>
+          <a:p>
+            <a:pPr lvl="2">
+              <a:lnSpc>
+                <a:spcPct val="150000"/>
+              </a:lnSpc>
+              <a:buFont typeface="Wingdings" panose="05000000000000000000" pitchFamily="2" charset="2"/>
+              <a:buChar char="Ø"/>
+            </a:pPr>
+            <a:r>
+              <a:rPr lang="ro-RO" i="1" dirty="0"/>
+              <a:t>două proprietăți:</a:t>
+            </a:r>
+          </a:p>
+          <a:p>
+            <a:pPr lvl="3">
+              <a:lnSpc>
+                <a:spcPct val="150000"/>
+              </a:lnSpc>
+              <a:buFont typeface="Wingdings" panose="05000000000000000000" pitchFamily="2" charset="2"/>
+              <a:buChar char="Ø"/>
+            </a:pPr>
+            <a:r>
+              <a:rPr lang="ro-RO" dirty="0"/>
+              <a:t>acoperire</a:t>
+            </a:r>
+          </a:p>
+          <a:p>
+            <a:pPr lvl="3">
+              <a:lnSpc>
+                <a:spcPct val="150000"/>
+              </a:lnSpc>
+              <a:buFont typeface="Wingdings" panose="05000000000000000000" pitchFamily="2" charset="2"/>
+              <a:buChar char="Ø"/>
+            </a:pPr>
+            <a:r>
+              <a:rPr lang="ro-RO" dirty="0"/>
+              <a:t>precizie</a:t>
+            </a:r>
           </a:p>
         </p:txBody>
       </p:sp>
@@ -5127,7 +5186,7 @@
         </p:spPr>
         <p:txBody>
           <a:bodyPr>
-            <a:normAutofit fontScale="85000" lnSpcReduction="20000"/>
+            <a:normAutofit/>
           </a:bodyPr>
           <a:lstStyle/>
           <a:p>
@@ -5140,8 +5199,9 @@
             </a:pPr>
             <a:r>
               <a:rPr lang="ro-RO" dirty="0" smtClean="0"/>
-              <a:t>Condițiile sunt traduse în formule ce pot fi evaluate de Z3</a:t>
-            </a:r>
+              <a:t>Condițiile sunt traduse în formule </a:t>
+            </a:r>
+            <a:endParaRPr lang="ro-RO" dirty="0" smtClean="0"/>
           </a:p>
           <a:p>
             <a:pPr>
@@ -5153,15 +5213,15 @@
             </a:pPr>
             <a:r>
               <a:rPr lang="ro-RO" dirty="0" smtClean="0"/>
-              <a:t>Formulele sunt evaluate de Z3 </a:t>
+              <a:t>Formulele </a:t>
             </a:r>
             <a:r>
               <a:rPr lang="ro-RO" dirty="0" smtClean="0"/>
-              <a:t>care furnizează un </a:t>
+              <a:t>sunt evaluate de </a:t>
             </a:r>
             <a:r>
               <a:rPr lang="ro-RO" dirty="0" smtClean="0"/>
-              <a:t>model</a:t>
+              <a:t>Z3</a:t>
             </a:r>
           </a:p>
           <a:p>
@@ -5174,7 +5234,7 @@
             </a:pPr>
             <a:r>
               <a:rPr lang="ro-RO" dirty="0" smtClean="0"/>
-              <a:t>Rezultatul: un test care duce pe o anumită cale de execuție</a:t>
+              <a:t>Z3 oferă un model</a:t>
             </a:r>
             <a:endParaRPr lang="en-US" dirty="0" smtClean="0"/>
           </a:p>
